--- a/ppt 16-9/1520.十字架是我的.pptx
+++ b/ppt 16-9/1520.十字架是我的.pptx
@@ -129,7 +129,7 @@
           <p:cNvPr id="2" name="标题 1">
             <a:extLst>
               <a:ext uri="{FF2B5EF4-FFF2-40B4-BE49-F238E27FC236}">
-                <a16:creationId xmlns:a16="http://schemas.microsoft.com/office/drawing/2014/main" id="{5490DA94-1853-1F73-EEE5-0A9061C4B811}"/>
+                <a16:creationId xmlns:a16="http://schemas.microsoft.com/office/drawing/2014/main" id="{3121ECA2-B200-576A-14AD-8FBA41DBF808}"/>
               </a:ext>
             </a:extLst>
           </p:cNvPr>
@@ -166,7 +166,7 @@
           <p:cNvPr id="3" name="副标题 2">
             <a:extLst>
               <a:ext uri="{FF2B5EF4-FFF2-40B4-BE49-F238E27FC236}">
-                <a16:creationId xmlns:a16="http://schemas.microsoft.com/office/drawing/2014/main" id="{4123DE33-DD4A-A2A0-CF70-D8AE5A83479C}"/>
+                <a16:creationId xmlns:a16="http://schemas.microsoft.com/office/drawing/2014/main" id="{16F18ED7-744D-07DB-9A96-BD63D805322B}"/>
               </a:ext>
             </a:extLst>
           </p:cNvPr>
@@ -236,7 +236,7 @@
           <p:cNvPr id="4" name="日期占位符 3">
             <a:extLst>
               <a:ext uri="{FF2B5EF4-FFF2-40B4-BE49-F238E27FC236}">
-                <a16:creationId xmlns:a16="http://schemas.microsoft.com/office/drawing/2014/main" id="{66D6F95D-A97A-C488-3E39-79BB6CCE737C}"/>
+                <a16:creationId xmlns:a16="http://schemas.microsoft.com/office/drawing/2014/main" id="{66AB68BC-2326-6DB9-BF2D-12028DA76285}"/>
               </a:ext>
             </a:extLst>
           </p:cNvPr>
@@ -252,7 +252,7 @@
           <a:bodyPr/>
           <a:lstStyle/>
           <a:p>
-            <a:fld id="{0C10B3EB-23E7-4A3D-A055-091B028B891E}" type="datetimeFigureOut">
+            <a:fld id="{AF165316-8DA9-410E-8D01-A3D37D5FEA05}" type="datetimeFigureOut">
               <a:rPr lang="zh-CN" altLang="en-US" smtClean="0"/>
               <a:t>2024/3/10</a:t>
             </a:fld>
@@ -265,7 +265,7 @@
           <p:cNvPr id="5" name="页脚占位符 4">
             <a:extLst>
               <a:ext uri="{FF2B5EF4-FFF2-40B4-BE49-F238E27FC236}">
-                <a16:creationId xmlns:a16="http://schemas.microsoft.com/office/drawing/2014/main" id="{7821023B-4EA5-5F94-2123-8946F9E85FBD}"/>
+                <a16:creationId xmlns:a16="http://schemas.microsoft.com/office/drawing/2014/main" id="{44D547B3-0C56-F071-577C-46C93B71E25D}"/>
               </a:ext>
             </a:extLst>
           </p:cNvPr>
@@ -290,7 +290,7 @@
           <p:cNvPr id="6" name="灯片编号占位符 5">
             <a:extLst>
               <a:ext uri="{FF2B5EF4-FFF2-40B4-BE49-F238E27FC236}">
-                <a16:creationId xmlns:a16="http://schemas.microsoft.com/office/drawing/2014/main" id="{976EBDCD-EBA1-1724-BE93-7B101A06BC8E}"/>
+                <a16:creationId xmlns:a16="http://schemas.microsoft.com/office/drawing/2014/main" id="{EA395558-2E30-7FD2-0F9B-FDCF296F06FC}"/>
               </a:ext>
             </a:extLst>
           </p:cNvPr>
@@ -306,7 +306,7 @@
           <a:bodyPr/>
           <a:lstStyle/>
           <a:p>
-            <a:fld id="{9B7ED31F-79F6-4FC4-B17B-C939B3D375ED}" type="slidenum">
+            <a:fld id="{B49E2243-2948-4F5B-9CA4-3CAB4791E43D}" type="slidenum">
               <a:rPr lang="zh-CN" altLang="en-US" smtClean="0"/>
               <a:t>‹#›</a:t>
             </a:fld>
@@ -317,7 +317,7 @@
     </p:spTree>
     <p:extLst>
       <p:ext uri="{BB962C8B-B14F-4D97-AF65-F5344CB8AC3E}">
-        <p14:creationId xmlns:p14="http://schemas.microsoft.com/office/powerpoint/2010/main" val="3134657731"/>
+        <p14:creationId xmlns:p14="http://schemas.microsoft.com/office/powerpoint/2010/main" val="3148181190"/>
       </p:ext>
     </p:extLst>
   </p:cSld>
@@ -349,7 +349,7 @@
           <p:cNvPr id="2" name="标题 1">
             <a:extLst>
               <a:ext uri="{FF2B5EF4-FFF2-40B4-BE49-F238E27FC236}">
-                <a16:creationId xmlns:a16="http://schemas.microsoft.com/office/drawing/2014/main" id="{DAA1EE66-C5C3-526C-C58B-70D5559CFE27}"/>
+                <a16:creationId xmlns:a16="http://schemas.microsoft.com/office/drawing/2014/main" id="{698EF727-9B45-3242-9317-870C25CE588D}"/>
               </a:ext>
             </a:extLst>
           </p:cNvPr>
@@ -377,7 +377,7 @@
           <p:cNvPr id="3" name="竖排文字占位符 2">
             <a:extLst>
               <a:ext uri="{FF2B5EF4-FFF2-40B4-BE49-F238E27FC236}">
-                <a16:creationId xmlns:a16="http://schemas.microsoft.com/office/drawing/2014/main" id="{8A9CBB5B-CC4E-43A4-C6CD-C028FF561AEA}"/>
+                <a16:creationId xmlns:a16="http://schemas.microsoft.com/office/drawing/2014/main" id="{6F70F108-B787-6306-BD3B-9C20F92F4766}"/>
               </a:ext>
             </a:extLst>
           </p:cNvPr>
@@ -434,7 +434,7 @@
           <p:cNvPr id="4" name="日期占位符 3">
             <a:extLst>
               <a:ext uri="{FF2B5EF4-FFF2-40B4-BE49-F238E27FC236}">
-                <a16:creationId xmlns:a16="http://schemas.microsoft.com/office/drawing/2014/main" id="{A31E2359-B0CE-DFD6-CA11-B0CD9BE66308}"/>
+                <a16:creationId xmlns:a16="http://schemas.microsoft.com/office/drawing/2014/main" id="{75DABB39-F16A-8D04-AF14-00630422378F}"/>
               </a:ext>
             </a:extLst>
           </p:cNvPr>
@@ -450,7 +450,7 @@
           <a:bodyPr/>
           <a:lstStyle/>
           <a:p>
-            <a:fld id="{0C10B3EB-23E7-4A3D-A055-091B028B891E}" type="datetimeFigureOut">
+            <a:fld id="{AF165316-8DA9-410E-8D01-A3D37D5FEA05}" type="datetimeFigureOut">
               <a:rPr lang="zh-CN" altLang="en-US" smtClean="0"/>
               <a:t>2024/3/10</a:t>
             </a:fld>
@@ -463,7 +463,7 @@
           <p:cNvPr id="5" name="页脚占位符 4">
             <a:extLst>
               <a:ext uri="{FF2B5EF4-FFF2-40B4-BE49-F238E27FC236}">
-                <a16:creationId xmlns:a16="http://schemas.microsoft.com/office/drawing/2014/main" id="{D794BC75-17A2-2498-B2A4-8BC6516847F0}"/>
+                <a16:creationId xmlns:a16="http://schemas.microsoft.com/office/drawing/2014/main" id="{7E38B34A-5C98-882B-66E9-FDED64A8D9C9}"/>
               </a:ext>
             </a:extLst>
           </p:cNvPr>
@@ -488,7 +488,7 @@
           <p:cNvPr id="6" name="灯片编号占位符 5">
             <a:extLst>
               <a:ext uri="{FF2B5EF4-FFF2-40B4-BE49-F238E27FC236}">
-                <a16:creationId xmlns:a16="http://schemas.microsoft.com/office/drawing/2014/main" id="{7CC5B137-B336-FFFF-5DD4-C051BB1CF55A}"/>
+                <a16:creationId xmlns:a16="http://schemas.microsoft.com/office/drawing/2014/main" id="{6E4D79D7-ECDC-D448-FD65-FE5394F10CA0}"/>
               </a:ext>
             </a:extLst>
           </p:cNvPr>
@@ -504,7 +504,7 @@
           <a:bodyPr/>
           <a:lstStyle/>
           <a:p>
-            <a:fld id="{9B7ED31F-79F6-4FC4-B17B-C939B3D375ED}" type="slidenum">
+            <a:fld id="{B49E2243-2948-4F5B-9CA4-3CAB4791E43D}" type="slidenum">
               <a:rPr lang="zh-CN" altLang="en-US" smtClean="0"/>
               <a:t>‹#›</a:t>
             </a:fld>
@@ -515,7 +515,7 @@
     </p:spTree>
     <p:extLst>
       <p:ext uri="{BB962C8B-B14F-4D97-AF65-F5344CB8AC3E}">
-        <p14:creationId xmlns:p14="http://schemas.microsoft.com/office/powerpoint/2010/main" val="2928294433"/>
+        <p14:creationId xmlns:p14="http://schemas.microsoft.com/office/powerpoint/2010/main" val="5753990"/>
       </p:ext>
     </p:extLst>
   </p:cSld>
@@ -547,7 +547,7 @@
           <p:cNvPr id="2" name="竖排标题 1">
             <a:extLst>
               <a:ext uri="{FF2B5EF4-FFF2-40B4-BE49-F238E27FC236}">
-                <a16:creationId xmlns:a16="http://schemas.microsoft.com/office/drawing/2014/main" id="{C334182D-719A-92FF-7A40-1BEB005BDB1C}"/>
+                <a16:creationId xmlns:a16="http://schemas.microsoft.com/office/drawing/2014/main" id="{8A4361C7-4B1A-65BE-3421-4EF4107D477D}"/>
               </a:ext>
             </a:extLst>
           </p:cNvPr>
@@ -580,7 +580,7 @@
           <p:cNvPr id="3" name="竖排文字占位符 2">
             <a:extLst>
               <a:ext uri="{FF2B5EF4-FFF2-40B4-BE49-F238E27FC236}">
-                <a16:creationId xmlns:a16="http://schemas.microsoft.com/office/drawing/2014/main" id="{F1A3CE88-90D4-7FCD-004D-5BFFAC9DC4B7}"/>
+                <a16:creationId xmlns:a16="http://schemas.microsoft.com/office/drawing/2014/main" id="{E814D706-D517-FDA7-9562-2656A6EA7B7A}"/>
               </a:ext>
             </a:extLst>
           </p:cNvPr>
@@ -642,7 +642,7 @@
           <p:cNvPr id="4" name="日期占位符 3">
             <a:extLst>
               <a:ext uri="{FF2B5EF4-FFF2-40B4-BE49-F238E27FC236}">
-                <a16:creationId xmlns:a16="http://schemas.microsoft.com/office/drawing/2014/main" id="{7CBE9858-E33A-068A-49DE-8B5A526FC42A}"/>
+                <a16:creationId xmlns:a16="http://schemas.microsoft.com/office/drawing/2014/main" id="{4E2A2722-BB67-96D9-4935-353FD6DAA148}"/>
               </a:ext>
             </a:extLst>
           </p:cNvPr>
@@ -658,7 +658,7 @@
           <a:bodyPr/>
           <a:lstStyle/>
           <a:p>
-            <a:fld id="{0C10B3EB-23E7-4A3D-A055-091B028B891E}" type="datetimeFigureOut">
+            <a:fld id="{AF165316-8DA9-410E-8D01-A3D37D5FEA05}" type="datetimeFigureOut">
               <a:rPr lang="zh-CN" altLang="en-US" smtClean="0"/>
               <a:t>2024/3/10</a:t>
             </a:fld>
@@ -671,7 +671,7 @@
           <p:cNvPr id="5" name="页脚占位符 4">
             <a:extLst>
               <a:ext uri="{FF2B5EF4-FFF2-40B4-BE49-F238E27FC236}">
-                <a16:creationId xmlns:a16="http://schemas.microsoft.com/office/drawing/2014/main" id="{1573F1BA-CC7C-6376-B1C6-2338A0741AB3}"/>
+                <a16:creationId xmlns:a16="http://schemas.microsoft.com/office/drawing/2014/main" id="{FDCB9B70-8660-76AA-BDFD-87FE30971242}"/>
               </a:ext>
             </a:extLst>
           </p:cNvPr>
@@ -696,7 +696,7 @@
           <p:cNvPr id="6" name="灯片编号占位符 5">
             <a:extLst>
               <a:ext uri="{FF2B5EF4-FFF2-40B4-BE49-F238E27FC236}">
-                <a16:creationId xmlns:a16="http://schemas.microsoft.com/office/drawing/2014/main" id="{966C39F3-282E-F9E6-4CA0-3E3904F43D21}"/>
+                <a16:creationId xmlns:a16="http://schemas.microsoft.com/office/drawing/2014/main" id="{5074E4FE-9FF7-0116-1DA2-56D46DADED02}"/>
               </a:ext>
             </a:extLst>
           </p:cNvPr>
@@ -712,7 +712,7 @@
           <a:bodyPr/>
           <a:lstStyle/>
           <a:p>
-            <a:fld id="{9B7ED31F-79F6-4FC4-B17B-C939B3D375ED}" type="slidenum">
+            <a:fld id="{B49E2243-2948-4F5B-9CA4-3CAB4791E43D}" type="slidenum">
               <a:rPr lang="zh-CN" altLang="en-US" smtClean="0"/>
               <a:t>‹#›</a:t>
             </a:fld>
@@ -723,7 +723,7 @@
     </p:spTree>
     <p:extLst>
       <p:ext uri="{BB962C8B-B14F-4D97-AF65-F5344CB8AC3E}">
-        <p14:creationId xmlns:p14="http://schemas.microsoft.com/office/powerpoint/2010/main" val="1740019480"/>
+        <p14:creationId xmlns:p14="http://schemas.microsoft.com/office/powerpoint/2010/main" val="101128169"/>
       </p:ext>
     </p:extLst>
   </p:cSld>
@@ -755,7 +755,7 @@
           <p:cNvPr id="2" name="标题 1">
             <a:extLst>
               <a:ext uri="{FF2B5EF4-FFF2-40B4-BE49-F238E27FC236}">
-                <a16:creationId xmlns:a16="http://schemas.microsoft.com/office/drawing/2014/main" id="{80F1C8A3-7B36-23D2-4B85-DA1D493929B1}"/>
+                <a16:creationId xmlns:a16="http://schemas.microsoft.com/office/drawing/2014/main" id="{CF64BCC6-EC00-5AD3-25B0-6289ECC356C6}"/>
               </a:ext>
             </a:extLst>
           </p:cNvPr>
@@ -783,7 +783,7 @@
           <p:cNvPr id="3" name="内容占位符 2">
             <a:extLst>
               <a:ext uri="{FF2B5EF4-FFF2-40B4-BE49-F238E27FC236}">
-                <a16:creationId xmlns:a16="http://schemas.microsoft.com/office/drawing/2014/main" id="{5C1D46BC-F59A-9247-D649-FCE632987CC4}"/>
+                <a16:creationId xmlns:a16="http://schemas.microsoft.com/office/drawing/2014/main" id="{C3AA2C44-88BA-1BCC-31EA-A9176720972F}"/>
               </a:ext>
             </a:extLst>
           </p:cNvPr>
@@ -840,7 +840,7 @@
           <p:cNvPr id="4" name="日期占位符 3">
             <a:extLst>
               <a:ext uri="{FF2B5EF4-FFF2-40B4-BE49-F238E27FC236}">
-                <a16:creationId xmlns:a16="http://schemas.microsoft.com/office/drawing/2014/main" id="{6D62B2C6-5C5B-70F0-2C0C-5465D87D45F0}"/>
+                <a16:creationId xmlns:a16="http://schemas.microsoft.com/office/drawing/2014/main" id="{8BF384C8-74F0-C508-6821-E96E5F97B981}"/>
               </a:ext>
             </a:extLst>
           </p:cNvPr>
@@ -856,7 +856,7 @@
           <a:bodyPr/>
           <a:lstStyle/>
           <a:p>
-            <a:fld id="{0C10B3EB-23E7-4A3D-A055-091B028B891E}" type="datetimeFigureOut">
+            <a:fld id="{AF165316-8DA9-410E-8D01-A3D37D5FEA05}" type="datetimeFigureOut">
               <a:rPr lang="zh-CN" altLang="en-US" smtClean="0"/>
               <a:t>2024/3/10</a:t>
             </a:fld>
@@ -869,7 +869,7 @@
           <p:cNvPr id="5" name="页脚占位符 4">
             <a:extLst>
               <a:ext uri="{FF2B5EF4-FFF2-40B4-BE49-F238E27FC236}">
-                <a16:creationId xmlns:a16="http://schemas.microsoft.com/office/drawing/2014/main" id="{5F55DED7-F5C8-97F0-25E4-2EEAA984FE1B}"/>
+                <a16:creationId xmlns:a16="http://schemas.microsoft.com/office/drawing/2014/main" id="{F3950698-B666-D22E-BA21-023ED394FB4E}"/>
               </a:ext>
             </a:extLst>
           </p:cNvPr>
@@ -894,7 +894,7 @@
           <p:cNvPr id="6" name="灯片编号占位符 5">
             <a:extLst>
               <a:ext uri="{FF2B5EF4-FFF2-40B4-BE49-F238E27FC236}">
-                <a16:creationId xmlns:a16="http://schemas.microsoft.com/office/drawing/2014/main" id="{BA203643-6EFA-A089-EAAE-5929E25A5C53}"/>
+                <a16:creationId xmlns:a16="http://schemas.microsoft.com/office/drawing/2014/main" id="{36A42AB4-BFB8-4B42-38A9-C8E9C22FA627}"/>
               </a:ext>
             </a:extLst>
           </p:cNvPr>
@@ -910,7 +910,7 @@
           <a:bodyPr/>
           <a:lstStyle/>
           <a:p>
-            <a:fld id="{9B7ED31F-79F6-4FC4-B17B-C939B3D375ED}" type="slidenum">
+            <a:fld id="{B49E2243-2948-4F5B-9CA4-3CAB4791E43D}" type="slidenum">
               <a:rPr lang="zh-CN" altLang="en-US" smtClean="0"/>
               <a:t>‹#›</a:t>
             </a:fld>
@@ -921,7 +921,7 @@
     </p:spTree>
     <p:extLst>
       <p:ext uri="{BB962C8B-B14F-4D97-AF65-F5344CB8AC3E}">
-        <p14:creationId xmlns:p14="http://schemas.microsoft.com/office/powerpoint/2010/main" val="3067902780"/>
+        <p14:creationId xmlns:p14="http://schemas.microsoft.com/office/powerpoint/2010/main" val="2659237351"/>
       </p:ext>
     </p:extLst>
   </p:cSld>
@@ -953,7 +953,7 @@
           <p:cNvPr id="2" name="标题 1">
             <a:extLst>
               <a:ext uri="{FF2B5EF4-FFF2-40B4-BE49-F238E27FC236}">
-                <a16:creationId xmlns:a16="http://schemas.microsoft.com/office/drawing/2014/main" id="{261D9262-4827-8426-9075-5DAA394C2B74}"/>
+                <a16:creationId xmlns:a16="http://schemas.microsoft.com/office/drawing/2014/main" id="{109E5ABE-8D2D-96BC-2ACA-21047F61840E}"/>
               </a:ext>
             </a:extLst>
           </p:cNvPr>
@@ -990,7 +990,7 @@
           <p:cNvPr id="3" name="文本占位符 2">
             <a:extLst>
               <a:ext uri="{FF2B5EF4-FFF2-40B4-BE49-F238E27FC236}">
-                <a16:creationId xmlns:a16="http://schemas.microsoft.com/office/drawing/2014/main" id="{DB068229-BB15-0508-62DA-845163430453}"/>
+                <a16:creationId xmlns:a16="http://schemas.microsoft.com/office/drawing/2014/main" id="{82259F75-17EB-37B1-89E6-DC8ED4FF805C}"/>
               </a:ext>
             </a:extLst>
           </p:cNvPr>
@@ -1115,7 +1115,7 @@
           <p:cNvPr id="4" name="日期占位符 3">
             <a:extLst>
               <a:ext uri="{FF2B5EF4-FFF2-40B4-BE49-F238E27FC236}">
-                <a16:creationId xmlns:a16="http://schemas.microsoft.com/office/drawing/2014/main" id="{A65C731F-870A-5DEC-D471-9C1C528A480F}"/>
+                <a16:creationId xmlns:a16="http://schemas.microsoft.com/office/drawing/2014/main" id="{AE5FD3BB-197D-3079-17B8-46622AEE9D9C}"/>
               </a:ext>
             </a:extLst>
           </p:cNvPr>
@@ -1131,7 +1131,7 @@
           <a:bodyPr/>
           <a:lstStyle/>
           <a:p>
-            <a:fld id="{0C10B3EB-23E7-4A3D-A055-091B028B891E}" type="datetimeFigureOut">
+            <a:fld id="{AF165316-8DA9-410E-8D01-A3D37D5FEA05}" type="datetimeFigureOut">
               <a:rPr lang="zh-CN" altLang="en-US" smtClean="0"/>
               <a:t>2024/3/10</a:t>
             </a:fld>
@@ -1144,7 +1144,7 @@
           <p:cNvPr id="5" name="页脚占位符 4">
             <a:extLst>
               <a:ext uri="{FF2B5EF4-FFF2-40B4-BE49-F238E27FC236}">
-                <a16:creationId xmlns:a16="http://schemas.microsoft.com/office/drawing/2014/main" id="{2E26157D-A3CD-2A60-15A4-6F04C3A940E7}"/>
+                <a16:creationId xmlns:a16="http://schemas.microsoft.com/office/drawing/2014/main" id="{17798791-1E47-9501-DB8F-D76A68A244E8}"/>
               </a:ext>
             </a:extLst>
           </p:cNvPr>
@@ -1169,7 +1169,7 @@
           <p:cNvPr id="6" name="灯片编号占位符 5">
             <a:extLst>
               <a:ext uri="{FF2B5EF4-FFF2-40B4-BE49-F238E27FC236}">
-                <a16:creationId xmlns:a16="http://schemas.microsoft.com/office/drawing/2014/main" id="{38B56181-BE2E-F7E9-823C-F681CFD7C8DC}"/>
+                <a16:creationId xmlns:a16="http://schemas.microsoft.com/office/drawing/2014/main" id="{7A486E9D-A27B-540A-5EF0-E92EE9760050}"/>
               </a:ext>
             </a:extLst>
           </p:cNvPr>
@@ -1185,7 +1185,7 @@
           <a:bodyPr/>
           <a:lstStyle/>
           <a:p>
-            <a:fld id="{9B7ED31F-79F6-4FC4-B17B-C939B3D375ED}" type="slidenum">
+            <a:fld id="{B49E2243-2948-4F5B-9CA4-3CAB4791E43D}" type="slidenum">
               <a:rPr lang="zh-CN" altLang="en-US" smtClean="0"/>
               <a:t>‹#›</a:t>
             </a:fld>
@@ -1196,7 +1196,7 @@
     </p:spTree>
     <p:extLst>
       <p:ext uri="{BB962C8B-B14F-4D97-AF65-F5344CB8AC3E}">
-        <p14:creationId xmlns:p14="http://schemas.microsoft.com/office/powerpoint/2010/main" val="2959261368"/>
+        <p14:creationId xmlns:p14="http://schemas.microsoft.com/office/powerpoint/2010/main" val="1194686149"/>
       </p:ext>
     </p:extLst>
   </p:cSld>
@@ -1228,7 +1228,7 @@
           <p:cNvPr id="2" name="标题 1">
             <a:extLst>
               <a:ext uri="{FF2B5EF4-FFF2-40B4-BE49-F238E27FC236}">
-                <a16:creationId xmlns:a16="http://schemas.microsoft.com/office/drawing/2014/main" id="{F2A992EA-0B5B-A756-BABD-C431CB500DC7}"/>
+                <a16:creationId xmlns:a16="http://schemas.microsoft.com/office/drawing/2014/main" id="{F67F54B2-3514-2476-B78C-B9470C3212C0}"/>
               </a:ext>
             </a:extLst>
           </p:cNvPr>
@@ -1256,7 +1256,7 @@
           <p:cNvPr id="3" name="内容占位符 2">
             <a:extLst>
               <a:ext uri="{FF2B5EF4-FFF2-40B4-BE49-F238E27FC236}">
-                <a16:creationId xmlns:a16="http://schemas.microsoft.com/office/drawing/2014/main" id="{601C4CCB-48E5-E173-41B9-5BB07DE76467}"/>
+                <a16:creationId xmlns:a16="http://schemas.microsoft.com/office/drawing/2014/main" id="{89DAE4FC-6BA4-7408-0256-231F68D7633F}"/>
               </a:ext>
             </a:extLst>
           </p:cNvPr>
@@ -1318,7 +1318,7 @@
           <p:cNvPr id="4" name="内容占位符 3">
             <a:extLst>
               <a:ext uri="{FF2B5EF4-FFF2-40B4-BE49-F238E27FC236}">
-                <a16:creationId xmlns:a16="http://schemas.microsoft.com/office/drawing/2014/main" id="{B0EA1AE6-9A74-C868-C563-51B1EF959BE5}"/>
+                <a16:creationId xmlns:a16="http://schemas.microsoft.com/office/drawing/2014/main" id="{A98DCD7D-ADEF-7B1B-E01A-E77B02A826E9}"/>
               </a:ext>
             </a:extLst>
           </p:cNvPr>
@@ -1380,7 +1380,7 @@
           <p:cNvPr id="5" name="日期占位符 4">
             <a:extLst>
               <a:ext uri="{FF2B5EF4-FFF2-40B4-BE49-F238E27FC236}">
-                <a16:creationId xmlns:a16="http://schemas.microsoft.com/office/drawing/2014/main" id="{C481197A-872B-5A1F-D556-62738B3CCE12}"/>
+                <a16:creationId xmlns:a16="http://schemas.microsoft.com/office/drawing/2014/main" id="{F926C3F8-64B2-4A4D-CE4E-7C32D81F6E99}"/>
               </a:ext>
             </a:extLst>
           </p:cNvPr>
@@ -1396,7 +1396,7 @@
           <a:bodyPr/>
           <a:lstStyle/>
           <a:p>
-            <a:fld id="{0C10B3EB-23E7-4A3D-A055-091B028B891E}" type="datetimeFigureOut">
+            <a:fld id="{AF165316-8DA9-410E-8D01-A3D37D5FEA05}" type="datetimeFigureOut">
               <a:rPr lang="zh-CN" altLang="en-US" smtClean="0"/>
               <a:t>2024/3/10</a:t>
             </a:fld>
@@ -1409,7 +1409,7 @@
           <p:cNvPr id="6" name="页脚占位符 5">
             <a:extLst>
               <a:ext uri="{FF2B5EF4-FFF2-40B4-BE49-F238E27FC236}">
-                <a16:creationId xmlns:a16="http://schemas.microsoft.com/office/drawing/2014/main" id="{AEB667DC-F3E3-CEA9-C10F-2812635C2322}"/>
+                <a16:creationId xmlns:a16="http://schemas.microsoft.com/office/drawing/2014/main" id="{E8E1F3B1-B5CF-2DA9-6591-9AA9404DD889}"/>
               </a:ext>
             </a:extLst>
           </p:cNvPr>
@@ -1434,7 +1434,7 @@
           <p:cNvPr id="7" name="灯片编号占位符 6">
             <a:extLst>
               <a:ext uri="{FF2B5EF4-FFF2-40B4-BE49-F238E27FC236}">
-                <a16:creationId xmlns:a16="http://schemas.microsoft.com/office/drawing/2014/main" id="{EF8ECFB6-C8BD-B3BB-6526-C05CB8D73361}"/>
+                <a16:creationId xmlns:a16="http://schemas.microsoft.com/office/drawing/2014/main" id="{48E1D01B-1FB5-2735-27BB-9BBEBAB90BA7}"/>
               </a:ext>
             </a:extLst>
           </p:cNvPr>
@@ -1450,7 +1450,7 @@
           <a:bodyPr/>
           <a:lstStyle/>
           <a:p>
-            <a:fld id="{9B7ED31F-79F6-4FC4-B17B-C939B3D375ED}" type="slidenum">
+            <a:fld id="{B49E2243-2948-4F5B-9CA4-3CAB4791E43D}" type="slidenum">
               <a:rPr lang="zh-CN" altLang="en-US" smtClean="0"/>
               <a:t>‹#›</a:t>
             </a:fld>
@@ -1461,7 +1461,7 @@
     </p:spTree>
     <p:extLst>
       <p:ext uri="{BB962C8B-B14F-4D97-AF65-F5344CB8AC3E}">
-        <p14:creationId xmlns:p14="http://schemas.microsoft.com/office/powerpoint/2010/main" val="3660900459"/>
+        <p14:creationId xmlns:p14="http://schemas.microsoft.com/office/powerpoint/2010/main" val="2885055543"/>
       </p:ext>
     </p:extLst>
   </p:cSld>
@@ -1493,7 +1493,7 @@
           <p:cNvPr id="2" name="标题 1">
             <a:extLst>
               <a:ext uri="{FF2B5EF4-FFF2-40B4-BE49-F238E27FC236}">
-                <a16:creationId xmlns:a16="http://schemas.microsoft.com/office/drawing/2014/main" id="{2B4546A2-A7B4-88AE-8EC9-BA875E2D26A3}"/>
+                <a16:creationId xmlns:a16="http://schemas.microsoft.com/office/drawing/2014/main" id="{A4212FB9-57A0-3996-FA59-DD0FD2262CD3}"/>
               </a:ext>
             </a:extLst>
           </p:cNvPr>
@@ -1526,7 +1526,7 @@
           <p:cNvPr id="3" name="文本占位符 2">
             <a:extLst>
               <a:ext uri="{FF2B5EF4-FFF2-40B4-BE49-F238E27FC236}">
-                <a16:creationId xmlns:a16="http://schemas.microsoft.com/office/drawing/2014/main" id="{ED925D10-6ABB-FBD3-0977-E66AEEDE1C38}"/>
+                <a16:creationId xmlns:a16="http://schemas.microsoft.com/office/drawing/2014/main" id="{23E2EF99-B9AB-7E8D-85EA-EE9559BA82BE}"/>
               </a:ext>
             </a:extLst>
           </p:cNvPr>
@@ -1597,7 +1597,7 @@
           <p:cNvPr id="4" name="内容占位符 3">
             <a:extLst>
               <a:ext uri="{FF2B5EF4-FFF2-40B4-BE49-F238E27FC236}">
-                <a16:creationId xmlns:a16="http://schemas.microsoft.com/office/drawing/2014/main" id="{599F8ECC-BF46-2496-C2B7-7FF8B918F1DD}"/>
+                <a16:creationId xmlns:a16="http://schemas.microsoft.com/office/drawing/2014/main" id="{465FC1F4-1F1C-06DD-5F41-C4C02BF88595}"/>
               </a:ext>
             </a:extLst>
           </p:cNvPr>
@@ -1659,7 +1659,7 @@
           <p:cNvPr id="5" name="文本占位符 4">
             <a:extLst>
               <a:ext uri="{FF2B5EF4-FFF2-40B4-BE49-F238E27FC236}">
-                <a16:creationId xmlns:a16="http://schemas.microsoft.com/office/drawing/2014/main" id="{D1D5C12E-CFA0-40EC-6666-38648AAA39E0}"/>
+                <a16:creationId xmlns:a16="http://schemas.microsoft.com/office/drawing/2014/main" id="{1B3D855D-8C42-4E3E-0AF2-EF6FAD6CF3F0}"/>
               </a:ext>
             </a:extLst>
           </p:cNvPr>
@@ -1730,7 +1730,7 @@
           <p:cNvPr id="6" name="内容占位符 5">
             <a:extLst>
               <a:ext uri="{FF2B5EF4-FFF2-40B4-BE49-F238E27FC236}">
-                <a16:creationId xmlns:a16="http://schemas.microsoft.com/office/drawing/2014/main" id="{830C3196-2F66-8643-F234-1753FA0D8AC6}"/>
+                <a16:creationId xmlns:a16="http://schemas.microsoft.com/office/drawing/2014/main" id="{AABEB463-96B3-C4A1-E095-681B9D1DB8D3}"/>
               </a:ext>
             </a:extLst>
           </p:cNvPr>
@@ -1792,7 +1792,7 @@
           <p:cNvPr id="7" name="日期占位符 6">
             <a:extLst>
               <a:ext uri="{FF2B5EF4-FFF2-40B4-BE49-F238E27FC236}">
-                <a16:creationId xmlns:a16="http://schemas.microsoft.com/office/drawing/2014/main" id="{95D0B551-698D-BC80-EE9C-F9A23345248F}"/>
+                <a16:creationId xmlns:a16="http://schemas.microsoft.com/office/drawing/2014/main" id="{F2E7A1C0-7DAC-36FA-1837-1EF1D03E1058}"/>
               </a:ext>
             </a:extLst>
           </p:cNvPr>
@@ -1808,7 +1808,7 @@
           <a:bodyPr/>
           <a:lstStyle/>
           <a:p>
-            <a:fld id="{0C10B3EB-23E7-4A3D-A055-091B028B891E}" type="datetimeFigureOut">
+            <a:fld id="{AF165316-8DA9-410E-8D01-A3D37D5FEA05}" type="datetimeFigureOut">
               <a:rPr lang="zh-CN" altLang="en-US" smtClean="0"/>
               <a:t>2024/3/10</a:t>
             </a:fld>
@@ -1821,7 +1821,7 @@
           <p:cNvPr id="8" name="页脚占位符 7">
             <a:extLst>
               <a:ext uri="{FF2B5EF4-FFF2-40B4-BE49-F238E27FC236}">
-                <a16:creationId xmlns:a16="http://schemas.microsoft.com/office/drawing/2014/main" id="{F82B3742-B923-75F3-D88E-61A72A0B8693}"/>
+                <a16:creationId xmlns:a16="http://schemas.microsoft.com/office/drawing/2014/main" id="{0087CF7C-22C6-BDE1-E79F-D2036E6E6302}"/>
               </a:ext>
             </a:extLst>
           </p:cNvPr>
@@ -1846,7 +1846,7 @@
           <p:cNvPr id="9" name="灯片编号占位符 8">
             <a:extLst>
               <a:ext uri="{FF2B5EF4-FFF2-40B4-BE49-F238E27FC236}">
-                <a16:creationId xmlns:a16="http://schemas.microsoft.com/office/drawing/2014/main" id="{764BB454-302E-4FD9-E20B-5579595E8BD9}"/>
+                <a16:creationId xmlns:a16="http://schemas.microsoft.com/office/drawing/2014/main" id="{676A0D27-8D41-76D1-92DA-F4803561F760}"/>
               </a:ext>
             </a:extLst>
           </p:cNvPr>
@@ -1862,7 +1862,7 @@
           <a:bodyPr/>
           <a:lstStyle/>
           <a:p>
-            <a:fld id="{9B7ED31F-79F6-4FC4-B17B-C939B3D375ED}" type="slidenum">
+            <a:fld id="{B49E2243-2948-4F5B-9CA4-3CAB4791E43D}" type="slidenum">
               <a:rPr lang="zh-CN" altLang="en-US" smtClean="0"/>
               <a:t>‹#›</a:t>
             </a:fld>
@@ -1873,7 +1873,7 @@
     </p:spTree>
     <p:extLst>
       <p:ext uri="{BB962C8B-B14F-4D97-AF65-F5344CB8AC3E}">
-        <p14:creationId xmlns:p14="http://schemas.microsoft.com/office/powerpoint/2010/main" val="2522276325"/>
+        <p14:creationId xmlns:p14="http://schemas.microsoft.com/office/powerpoint/2010/main" val="2221776107"/>
       </p:ext>
     </p:extLst>
   </p:cSld>
@@ -1905,7 +1905,7 @@
           <p:cNvPr id="2" name="标题 1">
             <a:extLst>
               <a:ext uri="{FF2B5EF4-FFF2-40B4-BE49-F238E27FC236}">
-                <a16:creationId xmlns:a16="http://schemas.microsoft.com/office/drawing/2014/main" id="{39CE97A8-0409-1B4E-BE4F-3B0F40B2469E}"/>
+                <a16:creationId xmlns:a16="http://schemas.microsoft.com/office/drawing/2014/main" id="{E4CC0E86-9A85-0BB1-B031-7463D0409738}"/>
               </a:ext>
             </a:extLst>
           </p:cNvPr>
@@ -1933,7 +1933,7 @@
           <p:cNvPr id="3" name="日期占位符 2">
             <a:extLst>
               <a:ext uri="{FF2B5EF4-FFF2-40B4-BE49-F238E27FC236}">
-                <a16:creationId xmlns:a16="http://schemas.microsoft.com/office/drawing/2014/main" id="{61A2BAF1-8A46-D37A-6D42-F0C1C5409FA1}"/>
+                <a16:creationId xmlns:a16="http://schemas.microsoft.com/office/drawing/2014/main" id="{FEDF05BD-3380-3C55-A985-66EB56D66FAC}"/>
               </a:ext>
             </a:extLst>
           </p:cNvPr>
@@ -1949,7 +1949,7 @@
           <a:bodyPr/>
           <a:lstStyle/>
           <a:p>
-            <a:fld id="{0C10B3EB-23E7-4A3D-A055-091B028B891E}" type="datetimeFigureOut">
+            <a:fld id="{AF165316-8DA9-410E-8D01-A3D37D5FEA05}" type="datetimeFigureOut">
               <a:rPr lang="zh-CN" altLang="en-US" smtClean="0"/>
               <a:t>2024/3/10</a:t>
             </a:fld>
@@ -1962,7 +1962,7 @@
           <p:cNvPr id="4" name="页脚占位符 3">
             <a:extLst>
               <a:ext uri="{FF2B5EF4-FFF2-40B4-BE49-F238E27FC236}">
-                <a16:creationId xmlns:a16="http://schemas.microsoft.com/office/drawing/2014/main" id="{9AAD6623-9FDE-9329-F156-6E5856501F8F}"/>
+                <a16:creationId xmlns:a16="http://schemas.microsoft.com/office/drawing/2014/main" id="{494CC234-F949-3325-2C5C-7A8267386A75}"/>
               </a:ext>
             </a:extLst>
           </p:cNvPr>
@@ -1987,7 +1987,7 @@
           <p:cNvPr id="5" name="灯片编号占位符 4">
             <a:extLst>
               <a:ext uri="{FF2B5EF4-FFF2-40B4-BE49-F238E27FC236}">
-                <a16:creationId xmlns:a16="http://schemas.microsoft.com/office/drawing/2014/main" id="{6218FB86-FAE0-5E49-39A4-F78EE4857DCB}"/>
+                <a16:creationId xmlns:a16="http://schemas.microsoft.com/office/drawing/2014/main" id="{8CBC7623-2519-96FD-E689-194B51C2F98C}"/>
               </a:ext>
             </a:extLst>
           </p:cNvPr>
@@ -2003,7 +2003,7 @@
           <a:bodyPr/>
           <a:lstStyle/>
           <a:p>
-            <a:fld id="{9B7ED31F-79F6-4FC4-B17B-C939B3D375ED}" type="slidenum">
+            <a:fld id="{B49E2243-2948-4F5B-9CA4-3CAB4791E43D}" type="slidenum">
               <a:rPr lang="zh-CN" altLang="en-US" smtClean="0"/>
               <a:t>‹#›</a:t>
             </a:fld>
@@ -2014,7 +2014,7 @@
     </p:spTree>
     <p:extLst>
       <p:ext uri="{BB962C8B-B14F-4D97-AF65-F5344CB8AC3E}">
-        <p14:creationId xmlns:p14="http://schemas.microsoft.com/office/powerpoint/2010/main" val="1236231110"/>
+        <p14:creationId xmlns:p14="http://schemas.microsoft.com/office/powerpoint/2010/main" val="2322734328"/>
       </p:ext>
     </p:extLst>
   </p:cSld>
@@ -2046,7 +2046,7 @@
           <p:cNvPr id="2" name="日期占位符 1">
             <a:extLst>
               <a:ext uri="{FF2B5EF4-FFF2-40B4-BE49-F238E27FC236}">
-                <a16:creationId xmlns:a16="http://schemas.microsoft.com/office/drawing/2014/main" id="{8EBB8A42-5891-D703-7E57-E5383019B118}"/>
+                <a16:creationId xmlns:a16="http://schemas.microsoft.com/office/drawing/2014/main" id="{1CEDAA96-AE0A-4C72-575D-1EB35BEAD014}"/>
               </a:ext>
             </a:extLst>
           </p:cNvPr>
@@ -2062,7 +2062,7 @@
           <a:bodyPr/>
           <a:lstStyle/>
           <a:p>
-            <a:fld id="{0C10B3EB-23E7-4A3D-A055-091B028B891E}" type="datetimeFigureOut">
+            <a:fld id="{AF165316-8DA9-410E-8D01-A3D37D5FEA05}" type="datetimeFigureOut">
               <a:rPr lang="zh-CN" altLang="en-US" smtClean="0"/>
               <a:t>2024/3/10</a:t>
             </a:fld>
@@ -2075,7 +2075,7 @@
           <p:cNvPr id="3" name="页脚占位符 2">
             <a:extLst>
               <a:ext uri="{FF2B5EF4-FFF2-40B4-BE49-F238E27FC236}">
-                <a16:creationId xmlns:a16="http://schemas.microsoft.com/office/drawing/2014/main" id="{3614EF9E-9D2A-6640-2257-262B04119941}"/>
+                <a16:creationId xmlns:a16="http://schemas.microsoft.com/office/drawing/2014/main" id="{2353D258-3CF8-6FCA-2A5A-0CCB4393ED63}"/>
               </a:ext>
             </a:extLst>
           </p:cNvPr>
@@ -2100,7 +2100,7 @@
           <p:cNvPr id="4" name="灯片编号占位符 3">
             <a:extLst>
               <a:ext uri="{FF2B5EF4-FFF2-40B4-BE49-F238E27FC236}">
-                <a16:creationId xmlns:a16="http://schemas.microsoft.com/office/drawing/2014/main" id="{FBF3013F-1BBF-383A-32F0-20DC488A463F}"/>
+                <a16:creationId xmlns:a16="http://schemas.microsoft.com/office/drawing/2014/main" id="{F39F95CE-2271-DACC-DA37-41297C0BE8BC}"/>
               </a:ext>
             </a:extLst>
           </p:cNvPr>
@@ -2116,7 +2116,7 @@
           <a:bodyPr/>
           <a:lstStyle/>
           <a:p>
-            <a:fld id="{9B7ED31F-79F6-4FC4-B17B-C939B3D375ED}" type="slidenum">
+            <a:fld id="{B49E2243-2948-4F5B-9CA4-3CAB4791E43D}" type="slidenum">
               <a:rPr lang="zh-CN" altLang="en-US" smtClean="0"/>
               <a:t>‹#›</a:t>
             </a:fld>
@@ -2127,7 +2127,7 @@
     </p:spTree>
     <p:extLst>
       <p:ext uri="{BB962C8B-B14F-4D97-AF65-F5344CB8AC3E}">
-        <p14:creationId xmlns:p14="http://schemas.microsoft.com/office/powerpoint/2010/main" val="979553752"/>
+        <p14:creationId xmlns:p14="http://schemas.microsoft.com/office/powerpoint/2010/main" val="3742186602"/>
       </p:ext>
     </p:extLst>
   </p:cSld>
@@ -2159,7 +2159,7 @@
           <p:cNvPr id="2" name="标题 1">
             <a:extLst>
               <a:ext uri="{FF2B5EF4-FFF2-40B4-BE49-F238E27FC236}">
-                <a16:creationId xmlns:a16="http://schemas.microsoft.com/office/drawing/2014/main" id="{F33E8BE6-FC7B-B992-CE41-4E4617F4B6D5}"/>
+                <a16:creationId xmlns:a16="http://schemas.microsoft.com/office/drawing/2014/main" id="{04FE96F9-2D3A-6FA7-6393-238368093A3F}"/>
               </a:ext>
             </a:extLst>
           </p:cNvPr>
@@ -2196,7 +2196,7 @@
           <p:cNvPr id="3" name="内容占位符 2">
             <a:extLst>
               <a:ext uri="{FF2B5EF4-FFF2-40B4-BE49-F238E27FC236}">
-                <a16:creationId xmlns:a16="http://schemas.microsoft.com/office/drawing/2014/main" id="{93B7D521-8D14-7DD5-26D9-0DF1DF1FD891}"/>
+                <a16:creationId xmlns:a16="http://schemas.microsoft.com/office/drawing/2014/main" id="{A5C902FC-0777-A3C0-2574-3B35DDABD16E}"/>
               </a:ext>
             </a:extLst>
           </p:cNvPr>
@@ -2286,7 +2286,7 @@
           <p:cNvPr id="4" name="文本占位符 3">
             <a:extLst>
               <a:ext uri="{FF2B5EF4-FFF2-40B4-BE49-F238E27FC236}">
-                <a16:creationId xmlns:a16="http://schemas.microsoft.com/office/drawing/2014/main" id="{19710FE3-68C4-27E2-E22D-C01611375A78}"/>
+                <a16:creationId xmlns:a16="http://schemas.microsoft.com/office/drawing/2014/main" id="{B4C0CF3A-2CED-9387-DFBE-20ED13ED887F}"/>
               </a:ext>
             </a:extLst>
           </p:cNvPr>
@@ -2357,7 +2357,7 @@
           <p:cNvPr id="5" name="日期占位符 4">
             <a:extLst>
               <a:ext uri="{FF2B5EF4-FFF2-40B4-BE49-F238E27FC236}">
-                <a16:creationId xmlns:a16="http://schemas.microsoft.com/office/drawing/2014/main" id="{12883218-75BE-AA97-4474-89659A79BFC1}"/>
+                <a16:creationId xmlns:a16="http://schemas.microsoft.com/office/drawing/2014/main" id="{1711F3EE-93D6-B8E8-2CB9-5EFB110BB818}"/>
               </a:ext>
             </a:extLst>
           </p:cNvPr>
@@ -2373,7 +2373,7 @@
           <a:bodyPr/>
           <a:lstStyle/>
           <a:p>
-            <a:fld id="{0C10B3EB-23E7-4A3D-A055-091B028B891E}" type="datetimeFigureOut">
+            <a:fld id="{AF165316-8DA9-410E-8D01-A3D37D5FEA05}" type="datetimeFigureOut">
               <a:rPr lang="zh-CN" altLang="en-US" smtClean="0"/>
               <a:t>2024/3/10</a:t>
             </a:fld>
@@ -2386,7 +2386,7 @@
           <p:cNvPr id="6" name="页脚占位符 5">
             <a:extLst>
               <a:ext uri="{FF2B5EF4-FFF2-40B4-BE49-F238E27FC236}">
-                <a16:creationId xmlns:a16="http://schemas.microsoft.com/office/drawing/2014/main" id="{548B260E-F98A-F9DB-8FA2-4C67DDBF863A}"/>
+                <a16:creationId xmlns:a16="http://schemas.microsoft.com/office/drawing/2014/main" id="{2D5F10BF-F8D8-60DF-EA09-22943DE7BB9F}"/>
               </a:ext>
             </a:extLst>
           </p:cNvPr>
@@ -2411,7 +2411,7 @@
           <p:cNvPr id="7" name="灯片编号占位符 6">
             <a:extLst>
               <a:ext uri="{FF2B5EF4-FFF2-40B4-BE49-F238E27FC236}">
-                <a16:creationId xmlns:a16="http://schemas.microsoft.com/office/drawing/2014/main" id="{A8037867-669D-7FB6-E665-007AEC552326}"/>
+                <a16:creationId xmlns:a16="http://schemas.microsoft.com/office/drawing/2014/main" id="{4132D600-D41D-3AAE-1BBE-8E9AEF69F4CF}"/>
               </a:ext>
             </a:extLst>
           </p:cNvPr>
@@ -2427,7 +2427,7 @@
           <a:bodyPr/>
           <a:lstStyle/>
           <a:p>
-            <a:fld id="{9B7ED31F-79F6-4FC4-B17B-C939B3D375ED}" type="slidenum">
+            <a:fld id="{B49E2243-2948-4F5B-9CA4-3CAB4791E43D}" type="slidenum">
               <a:rPr lang="zh-CN" altLang="en-US" smtClean="0"/>
               <a:t>‹#›</a:t>
             </a:fld>
@@ -2438,7 +2438,7 @@
     </p:spTree>
     <p:extLst>
       <p:ext uri="{BB962C8B-B14F-4D97-AF65-F5344CB8AC3E}">
-        <p14:creationId xmlns:p14="http://schemas.microsoft.com/office/powerpoint/2010/main" val="3605760661"/>
+        <p14:creationId xmlns:p14="http://schemas.microsoft.com/office/powerpoint/2010/main" val="455823443"/>
       </p:ext>
     </p:extLst>
   </p:cSld>
@@ -2470,7 +2470,7 @@
           <p:cNvPr id="2" name="标题 1">
             <a:extLst>
               <a:ext uri="{FF2B5EF4-FFF2-40B4-BE49-F238E27FC236}">
-                <a16:creationId xmlns:a16="http://schemas.microsoft.com/office/drawing/2014/main" id="{B379854E-E050-D3F3-DE98-CFB871C6A7D1}"/>
+                <a16:creationId xmlns:a16="http://schemas.microsoft.com/office/drawing/2014/main" id="{AE50B515-CDFF-2904-38D4-20EAD4DFAD39}"/>
               </a:ext>
             </a:extLst>
           </p:cNvPr>
@@ -2507,7 +2507,7 @@
           <p:cNvPr id="3" name="图片占位符 2">
             <a:extLst>
               <a:ext uri="{FF2B5EF4-FFF2-40B4-BE49-F238E27FC236}">
-                <a16:creationId xmlns:a16="http://schemas.microsoft.com/office/drawing/2014/main" id="{56A56AFB-6CB8-B6DB-2542-FB00F2543E86}"/>
+                <a16:creationId xmlns:a16="http://schemas.microsoft.com/office/drawing/2014/main" id="{BE0609B0-4EC2-B1D5-1912-D63D76FE661F}"/>
               </a:ext>
             </a:extLst>
           </p:cNvPr>
@@ -2574,7 +2574,7 @@
           <p:cNvPr id="4" name="文本占位符 3">
             <a:extLst>
               <a:ext uri="{FF2B5EF4-FFF2-40B4-BE49-F238E27FC236}">
-                <a16:creationId xmlns:a16="http://schemas.microsoft.com/office/drawing/2014/main" id="{2C74F375-0C6B-5980-CFD6-23652A4DD112}"/>
+                <a16:creationId xmlns:a16="http://schemas.microsoft.com/office/drawing/2014/main" id="{F5AD715A-C2AB-3CB6-78E4-D8336D1BADCA}"/>
               </a:ext>
             </a:extLst>
           </p:cNvPr>
@@ -2645,7 +2645,7 @@
           <p:cNvPr id="5" name="日期占位符 4">
             <a:extLst>
               <a:ext uri="{FF2B5EF4-FFF2-40B4-BE49-F238E27FC236}">
-                <a16:creationId xmlns:a16="http://schemas.microsoft.com/office/drawing/2014/main" id="{D1ADB2D2-39E3-7165-0596-A970758144BF}"/>
+                <a16:creationId xmlns:a16="http://schemas.microsoft.com/office/drawing/2014/main" id="{6EF117FB-2055-B5D9-1582-602DC20A925B}"/>
               </a:ext>
             </a:extLst>
           </p:cNvPr>
@@ -2661,7 +2661,7 @@
           <a:bodyPr/>
           <a:lstStyle/>
           <a:p>
-            <a:fld id="{0C10B3EB-23E7-4A3D-A055-091B028B891E}" type="datetimeFigureOut">
+            <a:fld id="{AF165316-8DA9-410E-8D01-A3D37D5FEA05}" type="datetimeFigureOut">
               <a:rPr lang="zh-CN" altLang="en-US" smtClean="0"/>
               <a:t>2024/3/10</a:t>
             </a:fld>
@@ -2674,7 +2674,7 @@
           <p:cNvPr id="6" name="页脚占位符 5">
             <a:extLst>
               <a:ext uri="{FF2B5EF4-FFF2-40B4-BE49-F238E27FC236}">
-                <a16:creationId xmlns:a16="http://schemas.microsoft.com/office/drawing/2014/main" id="{40BCA4E1-C2E0-FFF2-E870-E2D01440A298}"/>
+                <a16:creationId xmlns:a16="http://schemas.microsoft.com/office/drawing/2014/main" id="{FD5B3F71-5E49-3BBC-C091-0D85AD525880}"/>
               </a:ext>
             </a:extLst>
           </p:cNvPr>
@@ -2699,7 +2699,7 @@
           <p:cNvPr id="7" name="灯片编号占位符 6">
             <a:extLst>
               <a:ext uri="{FF2B5EF4-FFF2-40B4-BE49-F238E27FC236}">
-                <a16:creationId xmlns:a16="http://schemas.microsoft.com/office/drawing/2014/main" id="{0B66D97B-0C7A-79DD-DBAF-DFDD667D204A}"/>
+                <a16:creationId xmlns:a16="http://schemas.microsoft.com/office/drawing/2014/main" id="{2CAB4412-609E-3C60-B31D-76679E498DAA}"/>
               </a:ext>
             </a:extLst>
           </p:cNvPr>
@@ -2715,7 +2715,7 @@
           <a:bodyPr/>
           <a:lstStyle/>
           <a:p>
-            <a:fld id="{9B7ED31F-79F6-4FC4-B17B-C939B3D375ED}" type="slidenum">
+            <a:fld id="{B49E2243-2948-4F5B-9CA4-3CAB4791E43D}" type="slidenum">
               <a:rPr lang="zh-CN" altLang="en-US" smtClean="0"/>
               <a:t>‹#›</a:t>
             </a:fld>
@@ -2726,7 +2726,7 @@
     </p:spTree>
     <p:extLst>
       <p:ext uri="{BB962C8B-B14F-4D97-AF65-F5344CB8AC3E}">
-        <p14:creationId xmlns:p14="http://schemas.microsoft.com/office/powerpoint/2010/main" val="644146872"/>
+        <p14:creationId xmlns:p14="http://schemas.microsoft.com/office/powerpoint/2010/main" val="4284293208"/>
       </p:ext>
     </p:extLst>
   </p:cSld>
@@ -2763,7 +2763,7 @@
           <p:cNvPr id="2" name="标题占位符 1">
             <a:extLst>
               <a:ext uri="{FF2B5EF4-FFF2-40B4-BE49-F238E27FC236}">
-                <a16:creationId xmlns:a16="http://schemas.microsoft.com/office/drawing/2014/main" id="{ADFB5E02-0F18-45AA-E1F6-2E0FE37E6DB9}"/>
+                <a16:creationId xmlns:a16="http://schemas.microsoft.com/office/drawing/2014/main" id="{483D3CCA-A1AB-D952-D7D3-484A7F463F4F}"/>
               </a:ext>
             </a:extLst>
           </p:cNvPr>
@@ -2801,7 +2801,7 @@
           <p:cNvPr id="3" name="文本占位符 2">
             <a:extLst>
               <a:ext uri="{FF2B5EF4-FFF2-40B4-BE49-F238E27FC236}">
-                <a16:creationId xmlns:a16="http://schemas.microsoft.com/office/drawing/2014/main" id="{AADDF59A-11DE-7C48-8786-CB88E54D327F}"/>
+                <a16:creationId xmlns:a16="http://schemas.microsoft.com/office/drawing/2014/main" id="{4D4AF361-0BE3-7F59-ABB3-1FD5D325AAD6}"/>
               </a:ext>
             </a:extLst>
           </p:cNvPr>
@@ -2868,7 +2868,7 @@
           <p:cNvPr id="4" name="日期占位符 3">
             <a:extLst>
               <a:ext uri="{FF2B5EF4-FFF2-40B4-BE49-F238E27FC236}">
-                <a16:creationId xmlns:a16="http://schemas.microsoft.com/office/drawing/2014/main" id="{7706BF8F-1C54-436E-EDBB-CF8842FEEC7D}"/>
+                <a16:creationId xmlns:a16="http://schemas.microsoft.com/office/drawing/2014/main" id="{505A4743-2F8D-44CE-4588-C8221EC96817}"/>
               </a:ext>
             </a:extLst>
           </p:cNvPr>
@@ -2902,7 +2902,7 @@
             </a:lvl1pPr>
           </a:lstStyle>
           <a:p>
-            <a:fld id="{0C10B3EB-23E7-4A3D-A055-091B028B891E}" type="datetimeFigureOut">
+            <a:fld id="{AF165316-8DA9-410E-8D01-A3D37D5FEA05}" type="datetimeFigureOut">
               <a:rPr lang="zh-CN" altLang="en-US" smtClean="0"/>
               <a:t>2024/3/10</a:t>
             </a:fld>
@@ -2915,7 +2915,7 @@
           <p:cNvPr id="5" name="页脚占位符 4">
             <a:extLst>
               <a:ext uri="{FF2B5EF4-FFF2-40B4-BE49-F238E27FC236}">
-                <a16:creationId xmlns:a16="http://schemas.microsoft.com/office/drawing/2014/main" id="{BB8DA155-B52B-004B-64D7-DBF90B3C5B42}"/>
+                <a16:creationId xmlns:a16="http://schemas.microsoft.com/office/drawing/2014/main" id="{7BFAADD4-65FB-132E-8857-3DACF3ADCD4B}"/>
               </a:ext>
             </a:extLst>
           </p:cNvPr>
@@ -2958,7 +2958,7 @@
           <p:cNvPr id="6" name="灯片编号占位符 5">
             <a:extLst>
               <a:ext uri="{FF2B5EF4-FFF2-40B4-BE49-F238E27FC236}">
-                <a16:creationId xmlns:a16="http://schemas.microsoft.com/office/drawing/2014/main" id="{4073E175-F275-7F1C-C121-D7E16BE5D431}"/>
+                <a16:creationId xmlns:a16="http://schemas.microsoft.com/office/drawing/2014/main" id="{F866E855-A33D-48ED-B4E6-3A2FD3237C40}"/>
               </a:ext>
             </a:extLst>
           </p:cNvPr>
@@ -2992,7 +2992,7 @@
             </a:lvl1pPr>
           </a:lstStyle>
           <a:p>
-            <a:fld id="{9B7ED31F-79F6-4FC4-B17B-C939B3D375ED}" type="slidenum">
+            <a:fld id="{B49E2243-2948-4F5B-9CA4-3CAB4791E43D}" type="slidenum">
               <a:rPr lang="zh-CN" altLang="en-US" smtClean="0"/>
               <a:t>‹#›</a:t>
             </a:fld>
@@ -3003,7 +3003,7 @@
     </p:spTree>
     <p:extLst>
       <p:ext uri="{BB962C8B-B14F-4D97-AF65-F5344CB8AC3E}">
-        <p14:creationId xmlns:p14="http://schemas.microsoft.com/office/powerpoint/2010/main" val="3807323983"/>
+        <p14:creationId xmlns:p14="http://schemas.microsoft.com/office/powerpoint/2010/main" val="3514309115"/>
       </p:ext>
     </p:extLst>
   </p:cSld>
